--- a/Броунское движение.pptx
+++ b/Броунское движение.pptx
@@ -14821,13 +14821,13 @@
   <p:clrMapOvr>
     <a:masterClrMapping/>
   </p:clrMapOvr>
-  <mc:AlternateContent xmlns:mc="http://schemas.openxmlformats.org/markup-compatibility/2006">
-    <mc:Choice xmlns:p14="http://schemas.microsoft.com/office/powerpoint/2010/main" Requires="p14">
+  <mc:AlternateContent xmlns:mc="http://schemas.openxmlformats.org/markup-compatibility/2006" xmlns:p14="http://schemas.microsoft.com/office/powerpoint/2010/main">
+    <mc:Choice Requires="p14">
       <p:transition spd="slow" p14:dur="1600">
         <p:blinds dir="vert"/>
       </p:transition>
     </mc:Choice>
-    <mc:Fallback>
+    <mc:Fallback xmlns="">
       <p:transition spd="slow">
         <p:blinds dir="vert"/>
       </p:transition>
@@ -15157,6 +15157,41 @@
           </a:p>
         </p:txBody>
       </p:sp>
+      <p:sp>
+        <p:nvSpPr>
+          <p:cNvPr id="3" name="Прямоугольник 2"/>
+          <p:cNvSpPr/>
+          <p:nvPr/>
+        </p:nvSpPr>
+        <p:spPr>
+          <a:xfrm>
+            <a:off x="3203848" y="310051"/>
+            <a:ext cx="4032447" cy="584775"/>
+          </a:xfrm>
+          <a:prstGeom prst="rect">
+            <a:avLst/>
+          </a:prstGeom>
+        </p:spPr>
+        <p:txBody>
+          <a:bodyPr wrap="square">
+            <a:spAutoFit/>
+          </a:bodyPr>
+          <a:lstStyle/>
+          <a:p>
+            <a:r>
+              <a:rPr lang="ru-RU" sz="3200" b="1" i="1" dirty="0" smtClean="0">
+                <a:solidFill>
+                  <a:schemeClr val="tx2">
+                    <a:lumMod val="75000"/>
+                  </a:schemeClr>
+                </a:solidFill>
+              </a:rPr>
+              <a:t>Вступление</a:t>
+            </a:r>
+            <a:endParaRPr lang="ru-RU" sz="3200" dirty="0"/>
+          </a:p>
+        </p:txBody>
+      </p:sp>
     </p:spTree>
     <p:extLst>
       <p:ext uri="{BB962C8B-B14F-4D97-AF65-F5344CB8AC3E}">
@@ -15167,13 +15202,13 @@
   <p:clrMapOvr>
     <a:masterClrMapping/>
   </p:clrMapOvr>
-  <mc:AlternateContent xmlns:mc="http://schemas.openxmlformats.org/markup-compatibility/2006">
-    <mc:Choice xmlns:p14="http://schemas.microsoft.com/office/powerpoint/2010/main" Requires="p14">
+  <mc:AlternateContent xmlns:mc="http://schemas.openxmlformats.org/markup-compatibility/2006" xmlns:p14="http://schemas.microsoft.com/office/powerpoint/2010/main">
+    <mc:Choice Requires="p14">
       <p:transition spd="slow" p14:dur="1600">
         <p:blinds dir="vert"/>
       </p:transition>
     </mc:Choice>
-    <mc:Fallback>
+    <mc:Fallback xmlns="">
       <p:transition spd="slow">
         <p:blinds dir="vert"/>
       </p:transition>
@@ -15254,7 +15289,7 @@
         </p:nvSpPr>
         <p:spPr>
           <a:xfrm>
-            <a:off x="0" y="0"/>
+            <a:off x="7711" y="-15397"/>
             <a:ext cx="9144000" cy="1196752"/>
           </a:xfrm>
           <a:prstGeom prst="rect">
@@ -15360,6 +15395,41 @@
                 </a:schemeClr>
               </a:solidFill>
             </a:endParaRPr>
+          </a:p>
+        </p:txBody>
+      </p:sp>
+      <p:sp>
+        <p:nvSpPr>
+          <p:cNvPr id="3" name="Прямоугольник 2"/>
+          <p:cNvSpPr/>
+          <p:nvPr/>
+        </p:nvSpPr>
+        <p:spPr>
+          <a:xfrm>
+            <a:off x="2771800" y="413352"/>
+            <a:ext cx="2880917" cy="584775"/>
+          </a:xfrm>
+          <a:prstGeom prst="rect">
+            <a:avLst/>
+          </a:prstGeom>
+        </p:spPr>
+        <p:txBody>
+          <a:bodyPr wrap="none">
+            <a:spAutoFit/>
+          </a:bodyPr>
+          <a:lstStyle/>
+          <a:p>
+            <a:r>
+              <a:rPr lang="ru-RU" sz="3200" b="1" i="1" dirty="0" smtClean="0">
+                <a:solidFill>
+                  <a:schemeClr val="tx2">
+                    <a:lumMod val="75000"/>
+                  </a:schemeClr>
+                </a:solidFill>
+              </a:rPr>
+              <a:t>Актуальность</a:t>
+            </a:r>
+            <a:endParaRPr lang="ru-RU" sz="3200" dirty="0"/>
           </a:p>
         </p:txBody>
       </p:sp>

--- a/Броунское движение.pptx
+++ b/Броунское движение.pptx
@@ -15330,7 +15330,7 @@
         <p:spPr>
           <a:xfrm>
             <a:off x="251520" y="1196752"/>
-            <a:ext cx="8640960" cy="3539430"/>
+            <a:ext cx="8640960" cy="3970318"/>
           </a:xfrm>
           <a:prstGeom prst="rect">
             <a:avLst/>
@@ -15352,7 +15352,51 @@
                   </a:schemeClr>
                 </a:solidFill>
               </a:rPr>
-              <a:t>Для меня эта тема актуальна так как все тела состоят из частиц и при изучении частиц мы будем открывать много нового и интересного, чем больше мы узнаём о частицах тем больше мы узнаём о мире. </a:t>
+              <a:t>Для меня эта тема актуальна так </a:t>
+            </a:r>
+            <a:r>
+              <a:rPr lang="ru-RU" sz="2800" i="1" dirty="0" smtClean="0">
+                <a:ln w="50800"/>
+                <a:solidFill>
+                  <a:schemeClr val="tx2">
+                    <a:lumMod val="75000"/>
+                  </a:schemeClr>
+                </a:solidFill>
+              </a:rPr>
+              <a:t>как </a:t>
+            </a:r>
+            <a:r>
+              <a:rPr lang="ru-RU" sz="2800" i="1" dirty="0" smtClean="0">
+                <a:ln w="50800"/>
+                <a:solidFill>
+                  <a:schemeClr val="tx2">
+                    <a:lumMod val="75000"/>
+                  </a:schemeClr>
+                </a:solidFill>
+              </a:rPr>
+              <a:t>газы</a:t>
+            </a:r>
+            <a:r>
+              <a:rPr lang="ru-RU" sz="2800" i="1" dirty="0" smtClean="0">
+                <a:ln w="50800"/>
+                <a:solidFill>
+                  <a:schemeClr val="tx2">
+                    <a:lumMod val="75000"/>
+                  </a:schemeClr>
+                </a:solidFill>
+              </a:rPr>
+              <a:t> очень часто встречаются и проблема экологической обстановки в мире на сегодняшний день очень плачевна я хочу на примере показать что происходит с воздухом при выбросе разных </a:t>
+            </a:r>
+            <a:r>
+              <a:rPr lang="ru-RU" sz="2800" i="1" smtClean="0">
+                <a:ln w="50800"/>
+                <a:solidFill>
+                  <a:schemeClr val="tx2">
+                    <a:lumMod val="75000"/>
+                  </a:schemeClr>
+                </a:solidFill>
+              </a:rPr>
+              <a:t>химических, ядовитых газов.  </a:t>
             </a:r>
             <a:r>
               <a:rPr lang="ru-RU" sz="2800" i="1" dirty="0" smtClean="0">
